--- a/Ash. LaChandra_DSC530_Final Project.pptx
+++ b/Ash. LaChandra_DSC530_Final Project.pptx
@@ -9,10 +9,14 @@
     <p:sldId id="258" r:id="rId3"/>
     <p:sldId id="259" r:id="rId4"/>
     <p:sldId id="261" r:id="rId5"/>
-    <p:sldId id="266" r:id="rId6"/>
-    <p:sldId id="267" r:id="rId7"/>
-    <p:sldId id="268" r:id="rId8"/>
-    <p:sldId id="269" r:id="rId9"/>
+    <p:sldId id="272" r:id="rId6"/>
+    <p:sldId id="266" r:id="rId7"/>
+    <p:sldId id="273" r:id="rId8"/>
+    <p:sldId id="267" r:id="rId9"/>
+    <p:sldId id="268" r:id="rId10"/>
+    <p:sldId id="269" r:id="rId11"/>
+    <p:sldId id="271" r:id="rId12"/>
+    <p:sldId id="274" r:id="rId13"/>
   </p:sldIdLst>
   <p:sldSz cx="12192000" cy="6858000"/>
   <p:notesSz cx="6858000" cy="9144000"/>
@@ -112,6 +116,30 @@
     </a:lvl9pPr>
   </p:defaultTextStyle>
   <p:extLst>
+    <p:ext uri="{521415D9-36F7-43E2-AB2F-B90AF26B5E84}">
+      <p14:sectionLst xmlns:p14="http://schemas.microsoft.com/office/powerpoint/2010/main">
+        <p14:section name="Default Section" id="{12D914FE-FA1C-44BE-BF89-9A85257B186A}">
+          <p14:sldIdLst>
+            <p14:sldId id="257"/>
+            <p14:sldId id="258"/>
+            <p14:sldId id="259"/>
+            <p14:sldId id="261"/>
+            <p14:sldId id="272"/>
+            <p14:sldId id="266"/>
+            <p14:sldId id="273"/>
+            <p14:sldId id="267"/>
+            <p14:sldId id="268"/>
+            <p14:sldId id="269"/>
+          </p14:sldIdLst>
+        </p14:section>
+        <p14:section name="Untitled Section" id="{E5E88C18-A396-402C-992D-D251AF553B23}">
+          <p14:sldIdLst>
+            <p14:sldId id="271"/>
+            <p14:sldId id="274"/>
+          </p14:sldIdLst>
+        </p14:section>
+      </p14:sectionLst>
+    </p:ext>
     <p:ext uri="{EFAFB233-063F-42B5-8137-9DF3F51BA10A}">
       <p15:sldGuideLst xmlns:p15="http://schemas.microsoft.com/office/powerpoint/2012/main"/>
     </p:ext>
@@ -4056,6 +4084,682 @@
 </p:sld>
 </file>
 
+<file path=ppt/slides/slide10.xml><?xml version="1.0" encoding="utf-8"?>
+<p:sld xmlns:a="http://schemas.openxmlformats.org/drawingml/2006/main" xmlns:r="http://schemas.openxmlformats.org/officeDocument/2006/relationships" xmlns:p="http://schemas.openxmlformats.org/presentationml/2006/main">
+  <p:cSld>
+    <p:spTree>
+      <p:nvGrpSpPr>
+        <p:cNvPr id="1" name=""/>
+        <p:cNvGrpSpPr/>
+        <p:nvPr/>
+      </p:nvGrpSpPr>
+      <p:grpSpPr>
+        <a:xfrm>
+          <a:off x="0" y="0"/>
+          <a:ext cx="0" cy="0"/>
+          <a:chOff x="0" y="0"/>
+          <a:chExt cx="0" cy="0"/>
+        </a:xfrm>
+      </p:grpSpPr>
+      <p:sp>
+        <p:nvSpPr>
+          <p:cNvPr id="2" name="Title 1">
+            <a:extLst>
+              <a:ext uri="{FF2B5EF4-FFF2-40B4-BE49-F238E27FC236}">
+                <a16:creationId xmlns:a16="http://schemas.microsoft.com/office/drawing/2014/main" id="{16FCED8C-E020-411B-BA7A-589C703378E2}"/>
+              </a:ext>
+            </a:extLst>
+          </p:cNvPr>
+          <p:cNvSpPr>
+            <a:spLocks noGrp="1"/>
+          </p:cNvSpPr>
+          <p:nvPr>
+            <p:ph type="title"/>
+          </p:nvPr>
+        </p:nvSpPr>
+        <p:spPr/>
+        <p:txBody>
+          <a:bodyPr/>
+          <a:lstStyle/>
+          <a:p>
+            <a:r>
+              <a:rPr lang="en-US" b="1" dirty="0">
+                <a:latin typeface="Times New Roman" panose="02020603050405020304" pitchFamily="18" charset="0"/>
+                <a:cs typeface="Times New Roman" panose="02020603050405020304" pitchFamily="18" charset="0"/>
+              </a:rPr>
+              <a:t>Scatter Plot 2</a:t>
+            </a:r>
+          </a:p>
+        </p:txBody>
+      </p:sp>
+      <p:pic>
+        <p:nvPicPr>
+          <p:cNvPr id="5" name="Content Placeholder 4">
+            <a:extLst>
+              <a:ext uri="{FF2B5EF4-FFF2-40B4-BE49-F238E27FC236}">
+                <a16:creationId xmlns:a16="http://schemas.microsoft.com/office/drawing/2014/main" id="{7B30ED34-61A8-45F4-8E9C-AFCD66C2F455}"/>
+              </a:ext>
+            </a:extLst>
+          </p:cNvPr>
+          <p:cNvPicPr>
+            <a:picLocks noGrp="1" noChangeAspect="1"/>
+          </p:cNvPicPr>
+          <p:nvPr>
+            <p:ph sz="half" idx="1"/>
+          </p:nvPr>
+        </p:nvPicPr>
+        <p:blipFill>
+          <a:blip r:embed="rId2"/>
+          <a:stretch>
+            <a:fillRect/>
+          </a:stretch>
+        </p:blipFill>
+        <p:spPr>
+          <a:xfrm>
+            <a:off x="1036320" y="2007245"/>
+            <a:ext cx="5240655" cy="4222105"/>
+          </a:xfrm>
+          <a:prstGeom prst="rect">
+            <a:avLst/>
+          </a:prstGeom>
+        </p:spPr>
+      </p:pic>
+      <p:sp>
+        <p:nvSpPr>
+          <p:cNvPr id="4" name="Content Placeholder 3">
+            <a:extLst>
+              <a:ext uri="{FF2B5EF4-FFF2-40B4-BE49-F238E27FC236}">
+                <a16:creationId xmlns:a16="http://schemas.microsoft.com/office/drawing/2014/main" id="{7606DA28-3441-4DBE-871F-4F88528273AD}"/>
+              </a:ext>
+            </a:extLst>
+          </p:cNvPr>
+          <p:cNvSpPr>
+            <a:spLocks noGrp="1"/>
+          </p:cNvSpPr>
+          <p:nvPr>
+            <p:ph sz="half" idx="2"/>
+          </p:nvPr>
+        </p:nvSpPr>
+        <p:spPr/>
+        <p:txBody>
+          <a:bodyPr>
+            <a:normAutofit/>
+          </a:bodyPr>
+          <a:lstStyle/>
+          <a:p>
+            <a:pPr>
+              <a:buFont typeface="Arial" panose="020B0604020202020204" pitchFamily="34" charset="0"/>
+              <a:buChar char="•"/>
+            </a:pPr>
+            <a:r>
+              <a:rPr lang="en-US" sz="3200" dirty="0">
+                <a:latin typeface="Times New Roman" panose="02020603050405020304" pitchFamily="18" charset="0"/>
+                <a:cs typeface="Times New Roman" panose="02020603050405020304" pitchFamily="18" charset="0"/>
+              </a:rPr>
+              <a:t>The scatter plot displayed the causes of death on the x- axis.</a:t>
+            </a:r>
+          </a:p>
+          <a:p>
+            <a:pPr>
+              <a:buFont typeface="Arial" panose="020B0604020202020204" pitchFamily="34" charset="0"/>
+              <a:buChar char="•"/>
+            </a:pPr>
+            <a:r>
+              <a:rPr lang="en-US" sz="3200" dirty="0">
+                <a:latin typeface="Times New Roman" panose="02020603050405020304" pitchFamily="18" charset="0"/>
+                <a:cs typeface="Times New Roman" panose="02020603050405020304" pitchFamily="18" charset="0"/>
+              </a:rPr>
+              <a:t>  The y-axis contained the subjects that never used contraceptive pills.</a:t>
+            </a:r>
+          </a:p>
+          <a:p>
+            <a:pPr marL="0" indent="0">
+              <a:buNone/>
+            </a:pPr>
+            <a:endParaRPr lang="en-US" sz="2800" dirty="0"/>
+          </a:p>
+          <a:p>
+            <a:pPr>
+              <a:buFont typeface="Arial" panose="020B0604020202020204" pitchFamily="34" charset="0"/>
+              <a:buChar char="•"/>
+            </a:pPr>
+            <a:endParaRPr lang="en-US" dirty="0"/>
+          </a:p>
+        </p:txBody>
+      </p:sp>
+    </p:spTree>
+    <p:extLst>
+      <p:ext uri="{BB962C8B-B14F-4D97-AF65-F5344CB8AC3E}">
+        <p14:creationId xmlns:p14="http://schemas.microsoft.com/office/powerpoint/2010/main" val="71940281"/>
+      </p:ext>
+    </p:extLst>
+  </p:cSld>
+  <p:clrMapOvr>
+    <a:masterClrMapping/>
+  </p:clrMapOvr>
+</p:sld>
+</file>
+
+<file path=ppt/slides/slide11.xml><?xml version="1.0" encoding="utf-8"?>
+<p:sld xmlns:a="http://schemas.openxmlformats.org/drawingml/2006/main" xmlns:r="http://schemas.openxmlformats.org/officeDocument/2006/relationships" xmlns:p="http://schemas.openxmlformats.org/presentationml/2006/main">
+  <p:cSld>
+    <p:bg>
+      <p:bgPr>
+        <a:solidFill>
+          <a:schemeClr val="bg1"/>
+        </a:solidFill>
+        <a:effectLst/>
+      </p:bgPr>
+    </p:bg>
+    <p:spTree>
+      <p:nvGrpSpPr>
+        <p:cNvPr id="1" name=""/>
+        <p:cNvGrpSpPr/>
+        <p:nvPr/>
+      </p:nvGrpSpPr>
+      <p:grpSpPr>
+        <a:xfrm>
+          <a:off x="0" y="0"/>
+          <a:ext cx="0" cy="0"/>
+          <a:chOff x="0" y="0"/>
+          <a:chExt cx="0" cy="0"/>
+        </a:xfrm>
+      </p:grpSpPr>
+      <p:sp>
+        <p:nvSpPr>
+          <p:cNvPr id="6" name="Title 5">
+            <a:extLst>
+              <a:ext uri="{FF2B5EF4-FFF2-40B4-BE49-F238E27FC236}">
+                <a16:creationId xmlns:a16="http://schemas.microsoft.com/office/drawing/2014/main" id="{EB15F657-2EE3-4580-BA95-34721FAB7C45}"/>
+              </a:ext>
+            </a:extLst>
+          </p:cNvPr>
+          <p:cNvSpPr>
+            <a:spLocks noGrp="1"/>
+          </p:cNvSpPr>
+          <p:nvPr>
+            <p:ph type="title"/>
+          </p:nvPr>
+        </p:nvSpPr>
+        <p:spPr>
+          <a:xfrm>
+            <a:off x="643466" y="279918"/>
+            <a:ext cx="3517567" cy="1063690"/>
+          </a:xfrm>
+          <a:prstGeom prst="rect">
+            <a:avLst/>
+          </a:prstGeom>
+        </p:spPr>
+        <p:txBody>
+          <a:bodyPr anchor="b">
+            <a:normAutofit/>
+          </a:bodyPr>
+          <a:lstStyle/>
+          <a:p>
+            <a:r>
+              <a:rPr lang="en-US" u="sng" dirty="0"/>
+              <a:t>Scatterplot</a:t>
+            </a:r>
+          </a:p>
+        </p:txBody>
+      </p:sp>
+      <p:pic>
+        <p:nvPicPr>
+          <p:cNvPr id="5" name="Picture 4">
+            <a:extLst>
+              <a:ext uri="{FF2B5EF4-FFF2-40B4-BE49-F238E27FC236}">
+                <a16:creationId xmlns:a16="http://schemas.microsoft.com/office/drawing/2014/main" id="{A0290D8B-9C78-415C-B3FE-E9E296D6DF0F}"/>
+              </a:ext>
+            </a:extLst>
+          </p:cNvPr>
+          <p:cNvPicPr>
+            <a:picLocks noChangeAspect="1"/>
+          </p:cNvPicPr>
+          <p:nvPr/>
+        </p:nvPicPr>
+        <p:blipFill>
+          <a:blip r:embed="rId2"/>
+          <a:stretch>
+            <a:fillRect/>
+          </a:stretch>
+        </p:blipFill>
+        <p:spPr>
+          <a:xfrm>
+            <a:off x="4772025" y="0"/>
+            <a:ext cx="7343775" cy="6857999"/>
+          </a:xfrm>
+          <a:prstGeom prst="rect">
+            <a:avLst/>
+          </a:prstGeom>
+          <a:noFill/>
+        </p:spPr>
+      </p:pic>
+      <p:sp>
+        <p:nvSpPr>
+          <p:cNvPr id="8" name="Text Placeholder 7">
+            <a:extLst>
+              <a:ext uri="{FF2B5EF4-FFF2-40B4-BE49-F238E27FC236}">
+                <a16:creationId xmlns:a16="http://schemas.microsoft.com/office/drawing/2014/main" id="{A08F6D28-8966-4D4D-ACBB-3FD0B72E4283}"/>
+              </a:ext>
+            </a:extLst>
+          </p:cNvPr>
+          <p:cNvSpPr>
+            <a:spLocks noGrp="1"/>
+          </p:cNvSpPr>
+          <p:nvPr>
+            <p:ph type="body" sz="half" idx="2"/>
+          </p:nvPr>
+        </p:nvSpPr>
+        <p:spPr>
+          <a:xfrm>
+            <a:off x="643466" y="1446245"/>
+            <a:ext cx="3517567" cy="5271796"/>
+          </a:xfrm>
+          <a:prstGeom prst="rect">
+            <a:avLst/>
+          </a:prstGeom>
+        </p:spPr>
+        <p:txBody>
+          <a:bodyPr>
+            <a:normAutofit/>
+          </a:bodyPr>
+          <a:lstStyle/>
+          <a:p>
+            <a:pPr>
+              <a:lnSpc>
+                <a:spcPct val="90000"/>
+              </a:lnSpc>
+            </a:pPr>
+            <a:r>
+              <a:rPr lang="en-US" sz="1600" dirty="0">
+                <a:latin typeface="Times New Roman" panose="02020603050405020304" pitchFamily="18" charset="0"/>
+                <a:cs typeface="Times New Roman" panose="02020603050405020304" pitchFamily="18" charset="0"/>
+              </a:rPr>
+              <a:t>Summary:</a:t>
+            </a:r>
+          </a:p>
+          <a:p>
+            <a:pPr marL="742950" lvl="1" indent="-285750">
+              <a:lnSpc>
+                <a:spcPct val="90000"/>
+              </a:lnSpc>
+              <a:buFont typeface="Arial" panose="020B0604020202020204" pitchFamily="34" charset="0"/>
+              <a:buChar char="•"/>
+            </a:pPr>
+            <a:endParaRPr lang="en-US" sz="1600" dirty="0">
+              <a:solidFill>
+                <a:srgbClr val="FFFFFF"/>
+              </a:solidFill>
+              <a:latin typeface="Times New Roman" panose="02020603050405020304" pitchFamily="18" charset="0"/>
+              <a:cs typeface="Times New Roman" panose="02020603050405020304" pitchFamily="18" charset="0"/>
+            </a:endParaRPr>
+          </a:p>
+          <a:p>
+            <a:pPr marL="742950" lvl="1" indent="-285750">
+              <a:lnSpc>
+                <a:spcPct val="90000"/>
+              </a:lnSpc>
+              <a:buFont typeface="Arial" panose="020B0604020202020204" pitchFamily="34" charset="0"/>
+              <a:buChar char="•"/>
+            </a:pPr>
+            <a:r>
+              <a:rPr lang="en-US" sz="1600" dirty="0">
+                <a:solidFill>
+                  <a:srgbClr val="FFFFFF"/>
+                </a:solidFill>
+                <a:latin typeface="Times New Roman" panose="02020603050405020304" pitchFamily="18" charset="0"/>
+                <a:cs typeface="Times New Roman" panose="02020603050405020304" pitchFamily="18" charset="0"/>
+              </a:rPr>
+              <a:t>Count: 72</a:t>
+            </a:r>
+          </a:p>
+          <a:p>
+            <a:pPr marL="742950" lvl="1" indent="-285750">
+              <a:lnSpc>
+                <a:spcPct val="90000"/>
+              </a:lnSpc>
+              <a:buFont typeface="Arial" panose="020B0604020202020204" pitchFamily="34" charset="0"/>
+              <a:buChar char="•"/>
+            </a:pPr>
+            <a:r>
+              <a:rPr lang="en-US" sz="1600" dirty="0">
+                <a:solidFill>
+                  <a:srgbClr val="FFFFFF"/>
+                </a:solidFill>
+                <a:latin typeface="Times New Roman" panose="02020603050405020304" pitchFamily="18" charset="0"/>
+                <a:cs typeface="Times New Roman" panose="02020603050405020304" pitchFamily="18" charset="0"/>
+              </a:rPr>
+              <a:t>Sum: 2,230.0</a:t>
+            </a:r>
+          </a:p>
+          <a:p>
+            <a:pPr marL="742950" lvl="1" indent="-285750">
+              <a:lnSpc>
+                <a:spcPct val="90000"/>
+              </a:lnSpc>
+              <a:buFont typeface="Arial" panose="020B0604020202020204" pitchFamily="34" charset="0"/>
+              <a:buChar char="•"/>
+            </a:pPr>
+            <a:r>
+              <a:rPr lang="en-US" sz="1600" dirty="0">
+                <a:solidFill>
+                  <a:srgbClr val="FFFFFF"/>
+                </a:solidFill>
+                <a:latin typeface="Times New Roman" panose="02020603050405020304" pitchFamily="18" charset="0"/>
+                <a:cs typeface="Times New Roman" panose="02020603050405020304" pitchFamily="18" charset="0"/>
+              </a:rPr>
+              <a:t>Average: 31.0</a:t>
+            </a:r>
+          </a:p>
+          <a:p>
+            <a:pPr marL="742950" lvl="1" indent="-285750">
+              <a:lnSpc>
+                <a:spcPct val="90000"/>
+              </a:lnSpc>
+              <a:buFont typeface="Arial" panose="020B0604020202020204" pitchFamily="34" charset="0"/>
+              <a:buChar char="•"/>
+            </a:pPr>
+            <a:r>
+              <a:rPr lang="en-US" sz="1600" dirty="0">
+                <a:solidFill>
+                  <a:srgbClr val="FFFFFF"/>
+                </a:solidFill>
+                <a:latin typeface="Times New Roman" panose="02020603050405020304" pitchFamily="18" charset="0"/>
+                <a:cs typeface="Times New Roman" panose="02020603050405020304" pitchFamily="18" charset="0"/>
+              </a:rPr>
+              <a:t>Minimum: 1.0</a:t>
+            </a:r>
+          </a:p>
+          <a:p>
+            <a:pPr marL="742950" lvl="1" indent="-285750">
+              <a:lnSpc>
+                <a:spcPct val="90000"/>
+              </a:lnSpc>
+              <a:buFont typeface="Arial" panose="020B0604020202020204" pitchFamily="34" charset="0"/>
+              <a:buChar char="•"/>
+            </a:pPr>
+            <a:r>
+              <a:rPr lang="en-US" sz="1600" dirty="0">
+                <a:solidFill>
+                  <a:srgbClr val="FFFFFF"/>
+                </a:solidFill>
+                <a:latin typeface="Times New Roman" panose="02020603050405020304" pitchFamily="18" charset="0"/>
+                <a:cs typeface="Times New Roman" panose="02020603050405020304" pitchFamily="18" charset="0"/>
+              </a:rPr>
+              <a:t>Maximum: 417.5</a:t>
+            </a:r>
+          </a:p>
+          <a:p>
+            <a:pPr marL="742950" lvl="1" indent="-285750">
+              <a:lnSpc>
+                <a:spcPct val="90000"/>
+              </a:lnSpc>
+              <a:buFont typeface="Arial" panose="020B0604020202020204" pitchFamily="34" charset="0"/>
+              <a:buChar char="•"/>
+            </a:pPr>
+            <a:r>
+              <a:rPr lang="en-US" sz="1600" dirty="0">
+                <a:solidFill>
+                  <a:srgbClr val="FFFFFF"/>
+                </a:solidFill>
+                <a:latin typeface="Times New Roman" panose="02020603050405020304" pitchFamily="18" charset="0"/>
+                <a:cs typeface="Times New Roman" panose="02020603050405020304" pitchFamily="18" charset="0"/>
+              </a:rPr>
+              <a:t>Median: 5.8</a:t>
+            </a:r>
+          </a:p>
+          <a:p>
+            <a:pPr marL="742950" lvl="1" indent="-285750">
+              <a:lnSpc>
+                <a:spcPct val="90000"/>
+              </a:lnSpc>
+              <a:buFont typeface="Arial" panose="020B0604020202020204" pitchFamily="34" charset="0"/>
+              <a:buChar char="•"/>
+            </a:pPr>
+            <a:r>
+              <a:rPr lang="en-US" sz="1600" dirty="0">
+                <a:solidFill>
+                  <a:srgbClr val="FFFFFF"/>
+                </a:solidFill>
+                <a:latin typeface="Times New Roman" panose="02020603050405020304" pitchFamily="18" charset="0"/>
+                <a:cs typeface="Times New Roman" panose="02020603050405020304" pitchFamily="18" charset="0"/>
+              </a:rPr>
+              <a:t>Standard deviation: 71.0</a:t>
+            </a:r>
+          </a:p>
+          <a:p>
+            <a:pPr marL="742950" lvl="1" indent="-285750">
+              <a:lnSpc>
+                <a:spcPct val="90000"/>
+              </a:lnSpc>
+              <a:buFont typeface="Arial" panose="020B0604020202020204" pitchFamily="34" charset="0"/>
+              <a:buChar char="•"/>
+            </a:pPr>
+            <a:r>
+              <a:rPr lang="en-US" sz="1600" dirty="0">
+                <a:solidFill>
+                  <a:srgbClr val="FFFFFF"/>
+                </a:solidFill>
+                <a:latin typeface="Times New Roman" panose="02020603050405020304" pitchFamily="18" charset="0"/>
+                <a:cs typeface="Times New Roman" panose="02020603050405020304" pitchFamily="18" charset="0"/>
+              </a:rPr>
+              <a:t>First quartile: 1.0</a:t>
+            </a:r>
+          </a:p>
+          <a:p>
+            <a:pPr marL="742950" lvl="1" indent="-285750">
+              <a:lnSpc>
+                <a:spcPct val="90000"/>
+              </a:lnSpc>
+              <a:buFont typeface="Arial" panose="020B0604020202020204" pitchFamily="34" charset="0"/>
+              <a:buChar char="•"/>
+            </a:pPr>
+            <a:r>
+              <a:rPr lang="en-US" sz="1600" dirty="0">
+                <a:solidFill>
+                  <a:srgbClr val="FFFFFF"/>
+                </a:solidFill>
+                <a:latin typeface="Times New Roman" panose="02020603050405020304" pitchFamily="18" charset="0"/>
+                <a:cs typeface="Times New Roman" panose="02020603050405020304" pitchFamily="18" charset="0"/>
+              </a:rPr>
+              <a:t>Third quartile: 26.2</a:t>
+            </a:r>
+          </a:p>
+          <a:p>
+            <a:pPr marL="742950" lvl="1" indent="-285750">
+              <a:lnSpc>
+                <a:spcPct val="90000"/>
+              </a:lnSpc>
+              <a:buFont typeface="Arial" panose="020B0604020202020204" pitchFamily="34" charset="0"/>
+              <a:buChar char="•"/>
+            </a:pPr>
+            <a:r>
+              <a:rPr lang="en-US" sz="1600" dirty="0">
+                <a:solidFill>
+                  <a:srgbClr val="FFFFFF"/>
+                </a:solidFill>
+                <a:latin typeface="Times New Roman" panose="02020603050405020304" pitchFamily="18" charset="0"/>
+                <a:cs typeface="Times New Roman" panose="02020603050405020304" pitchFamily="18" charset="0"/>
+              </a:rPr>
+              <a:t>Skewness: 4.04</a:t>
+            </a:r>
+          </a:p>
+          <a:p>
+            <a:pPr marL="742950" lvl="1" indent="-285750">
+              <a:lnSpc>
+                <a:spcPct val="90000"/>
+              </a:lnSpc>
+              <a:buFont typeface="Arial" panose="020B0604020202020204" pitchFamily="34" charset="0"/>
+              <a:buChar char="•"/>
+            </a:pPr>
+            <a:r>
+              <a:rPr lang="en-US" sz="1600" dirty="0">
+                <a:solidFill>
+                  <a:srgbClr val="FFFFFF"/>
+                </a:solidFill>
+                <a:latin typeface="Times New Roman" panose="02020603050405020304" pitchFamily="18" charset="0"/>
+                <a:cs typeface="Times New Roman" panose="02020603050405020304" pitchFamily="18" charset="0"/>
+              </a:rPr>
+              <a:t>Excess Kurtosis: 17.21</a:t>
+            </a:r>
+          </a:p>
+          <a:p>
+            <a:pPr marL="742950" lvl="1" indent="-285750">
+              <a:lnSpc>
+                <a:spcPct val="90000"/>
+              </a:lnSpc>
+              <a:buFont typeface="Arial" panose="020B0604020202020204" pitchFamily="34" charset="0"/>
+              <a:buChar char="•"/>
+            </a:pPr>
+            <a:r>
+              <a:rPr lang="en-US" sz="1800" dirty="0">
+                <a:solidFill>
+                  <a:srgbClr val="FFFFFF"/>
+                </a:solidFill>
+              </a:rPr>
+              <a:t>I can handle outliers by deleting the problem that is causing the outlier. </a:t>
+            </a:r>
+          </a:p>
+          <a:p>
+            <a:pPr marL="285750" indent="-285750">
+              <a:lnSpc>
+                <a:spcPct val="90000"/>
+              </a:lnSpc>
+              <a:buFont typeface="Arial" panose="020B0604020202020204" pitchFamily="34" charset="0"/>
+              <a:buChar char="•"/>
+            </a:pPr>
+            <a:endParaRPr lang="en-US" sz="1100" dirty="0"/>
+          </a:p>
+        </p:txBody>
+      </p:sp>
+    </p:spTree>
+    <p:extLst>
+      <p:ext uri="{BB962C8B-B14F-4D97-AF65-F5344CB8AC3E}">
+        <p14:creationId xmlns:p14="http://schemas.microsoft.com/office/powerpoint/2010/main" val="1781164842"/>
+      </p:ext>
+    </p:extLst>
+  </p:cSld>
+  <p:clrMapOvr>
+    <a:masterClrMapping/>
+  </p:clrMapOvr>
+</p:sld>
+</file>
+
+<file path=ppt/slides/slide12.xml><?xml version="1.0" encoding="utf-8"?>
+<p:sld xmlns:a="http://schemas.openxmlformats.org/drawingml/2006/main" xmlns:r="http://schemas.openxmlformats.org/officeDocument/2006/relationships" xmlns:p="http://schemas.openxmlformats.org/presentationml/2006/main">
+  <p:cSld>
+    <p:bg>
+      <p:bgPr>
+        <a:solidFill>
+          <a:schemeClr val="bg1"/>
+        </a:solidFill>
+        <a:effectLst/>
+      </p:bgPr>
+    </p:bg>
+    <p:spTree>
+      <p:nvGrpSpPr>
+        <p:cNvPr id="1" name=""/>
+        <p:cNvGrpSpPr/>
+        <p:nvPr/>
+      </p:nvGrpSpPr>
+      <p:grpSpPr>
+        <a:xfrm>
+          <a:off x="0" y="0"/>
+          <a:ext cx="0" cy="0"/>
+          <a:chOff x="0" y="0"/>
+          <a:chExt cx="0" cy="0"/>
+        </a:xfrm>
+      </p:grpSpPr>
+      <p:sp>
+        <p:nvSpPr>
+          <p:cNvPr id="9" name="Title 1">
+            <a:extLst>
+              <a:ext uri="{FF2B5EF4-FFF2-40B4-BE49-F238E27FC236}">
+                <a16:creationId xmlns:a16="http://schemas.microsoft.com/office/drawing/2014/main" id="{11C2B266-ACB7-41FB-8944-45DF3DE6EF94}"/>
+              </a:ext>
+            </a:extLst>
+          </p:cNvPr>
+          <p:cNvSpPr>
+            <a:spLocks noGrp="1"/>
+          </p:cNvSpPr>
+          <p:nvPr>
+            <p:ph type="title"/>
+          </p:nvPr>
+        </p:nvSpPr>
+        <p:spPr>
+          <a:xfrm>
+            <a:off x="1097280" y="286603"/>
+            <a:ext cx="10058400" cy="1450757"/>
+          </a:xfrm>
+        </p:spPr>
+        <p:txBody>
+          <a:bodyPr>
+            <a:normAutofit/>
+          </a:bodyPr>
+          <a:lstStyle/>
+          <a:p>
+            <a:pPr algn="ctr"/>
+            <a:r>
+              <a:rPr lang="en-US" sz="9600" b="1" dirty="0">
+                <a:latin typeface="Times New Roman" panose="02020603050405020304" pitchFamily="18" charset="0"/>
+                <a:cs typeface="Times New Roman" panose="02020603050405020304" pitchFamily="18" charset="0"/>
+              </a:rPr>
+              <a:t>Any Questions?</a:t>
+            </a:r>
+          </a:p>
+        </p:txBody>
+      </p:sp>
+      <p:pic>
+        <p:nvPicPr>
+          <p:cNvPr id="6" name="Content Placeholder 5" descr="A picture containing table&#10;&#10;Description automatically generated">
+            <a:extLst>
+              <a:ext uri="{FF2B5EF4-FFF2-40B4-BE49-F238E27FC236}">
+                <a16:creationId xmlns:a16="http://schemas.microsoft.com/office/drawing/2014/main" id="{B71719E1-4303-40D3-B664-B87C37419E1B}"/>
+              </a:ext>
+            </a:extLst>
+          </p:cNvPr>
+          <p:cNvPicPr>
+            <a:picLocks noGrp="1" noChangeAspect="1"/>
+          </p:cNvPicPr>
+          <p:nvPr>
+            <p:ph idx="1"/>
+          </p:nvPr>
+        </p:nvPicPr>
+        <p:blipFill>
+          <a:blip r:embed="rId2">
+            <a:extLst>
+              <a:ext uri="{28A0092B-C50C-407E-A947-70E740481C1C}">
+                <a14:useLocalDpi xmlns:a14="http://schemas.microsoft.com/office/drawing/2010/main" val="0"/>
+              </a:ext>
+              <a:ext uri="{837473B0-CC2E-450A-ABE3-18F120FF3D39}">
+                <a1611:picAttrSrcUrl xmlns:a1611="http://schemas.microsoft.com/office/drawing/2016/11/main" r:id="rId3"/>
+              </a:ext>
+            </a:extLst>
+          </a:blip>
+          <a:stretch>
+            <a:fillRect/>
+          </a:stretch>
+        </p:blipFill>
+        <p:spPr>
+          <a:xfrm>
+            <a:off x="1264595" y="2108200"/>
+            <a:ext cx="10058399" cy="3760788"/>
+          </a:xfrm>
+        </p:spPr>
+      </p:pic>
+    </p:spTree>
+    <p:extLst>
+      <p:ext uri="{BB962C8B-B14F-4D97-AF65-F5344CB8AC3E}">
+        <p14:creationId xmlns:p14="http://schemas.microsoft.com/office/powerpoint/2010/main" val="4196628927"/>
+      </p:ext>
+    </p:extLst>
+  </p:cSld>
+  <p:clrMapOvr>
+    <a:masterClrMapping/>
+  </p:clrMapOvr>
+</p:sld>
+</file>
+
 <file path=ppt/slides/slide2.xml><?xml version="1.0" encoding="utf-8"?>
 <p:sld xmlns:a="http://schemas.openxmlformats.org/drawingml/2006/main" xmlns:r="http://schemas.openxmlformats.org/officeDocument/2006/relationships" xmlns:p="http://schemas.openxmlformats.org/presentationml/2006/main">
   <p:cSld>
@@ -4115,7 +4819,7 @@
                 <a:latin typeface="Times New Roman" panose="02020603050405020304" pitchFamily="18" charset="0"/>
                 <a:cs typeface="Times New Roman" panose="02020603050405020304" pitchFamily="18" charset="0"/>
               </a:rPr>
-              <a:t>Abstract</a:t>
+              <a:t>Introduction</a:t>
             </a:r>
           </a:p>
         </p:txBody>
@@ -4555,7 +5259,7 @@
             <p:ph idx="4294967295"/>
             <p:extLst>
               <p:ext uri="{D42A27DB-BD31-4B8C-83A1-F6EECF244321}">
-                <p14:modId xmlns:p14="http://schemas.microsoft.com/office/powerpoint/2010/main" val="3960665694"/>
+                <p14:modId xmlns:p14="http://schemas.microsoft.com/office/powerpoint/2010/main" val="2685204442"/>
               </p:ext>
             </p:extLst>
           </p:nvPr>
@@ -15907,35 +16611,6 @@
           </a:graphicData>
         </a:graphic>
       </p:graphicFrame>
-      <p:pic>
-        <p:nvPicPr>
-          <p:cNvPr id="6" name="Picture 5">
-            <a:extLst>
-              <a:ext uri="{FF2B5EF4-FFF2-40B4-BE49-F238E27FC236}">
-                <a16:creationId xmlns:a16="http://schemas.microsoft.com/office/drawing/2014/main" id="{DEB25A91-DF82-4DF4-A8DC-21F95D84DBBA}"/>
-              </a:ext>
-            </a:extLst>
-          </p:cNvPr>
-          <p:cNvPicPr>
-            <a:picLocks noChangeAspect="1"/>
-          </p:cNvPicPr>
-          <p:nvPr/>
-        </p:nvPicPr>
-        <p:blipFill rotWithShape="1">
-          <a:blip r:embed="rId2"/>
-          <a:srcRect l="19707" t="18111" r="35452" b="29745"/>
-          <a:stretch/>
-        </p:blipFill>
-        <p:spPr>
-          <a:xfrm>
-            <a:off x="5739318" y="846306"/>
-            <a:ext cx="5997913" cy="5533440"/>
-          </a:xfrm>
-          <a:prstGeom prst="rect">
-            <a:avLst/>
-          </a:prstGeom>
-        </p:spPr>
-      </p:pic>
       <p:cxnSp>
         <p:nvCxnSpPr>
           <p:cNvPr id="8" name="Straight Connector 7">
@@ -15974,6 +16649,35 @@
           </a:fontRef>
         </p:style>
       </p:cxnSp>
+      <p:pic>
+        <p:nvPicPr>
+          <p:cNvPr id="9" name="Picture 8">
+            <a:extLst>
+              <a:ext uri="{FF2B5EF4-FFF2-40B4-BE49-F238E27FC236}">
+                <a16:creationId xmlns:a16="http://schemas.microsoft.com/office/drawing/2014/main" id="{9629F5E0-D66F-4271-9471-4150160B9439}"/>
+              </a:ext>
+            </a:extLst>
+          </p:cNvPr>
+          <p:cNvPicPr>
+            <a:picLocks noChangeAspect="1"/>
+          </p:cNvPicPr>
+          <p:nvPr/>
+        </p:nvPicPr>
+        <p:blipFill rotWithShape="1">
+          <a:blip r:embed="rId2"/>
+          <a:srcRect l="13827" t="42441" r="21772" b="5319"/>
+          <a:stretch/>
+        </p:blipFill>
+        <p:spPr>
+          <a:xfrm>
+            <a:off x="5673013" y="1287625"/>
+            <a:ext cx="6518983" cy="4795934"/>
+          </a:xfrm>
+          <a:prstGeom prst="rect">
+            <a:avLst/>
+          </a:prstGeom>
+        </p:spPr>
+      </p:pic>
     </p:spTree>
     <p:extLst>
       <p:ext uri="{BB962C8B-B14F-4D97-AF65-F5344CB8AC3E}">
@@ -15988,6 +16692,260 @@
 </file>
 
 <file path=ppt/slides/slide5.xml><?xml version="1.0" encoding="utf-8"?>
+<p:sld xmlns:a="http://schemas.openxmlformats.org/drawingml/2006/main" xmlns:r="http://schemas.openxmlformats.org/officeDocument/2006/relationships" xmlns:p="http://schemas.openxmlformats.org/presentationml/2006/main">
+  <p:cSld>
+    <p:spTree>
+      <p:nvGrpSpPr>
+        <p:cNvPr id="1" name=""/>
+        <p:cNvGrpSpPr/>
+        <p:nvPr/>
+      </p:nvGrpSpPr>
+      <p:grpSpPr>
+        <a:xfrm>
+          <a:off x="0" y="0"/>
+          <a:ext cx="0" cy="0"/>
+          <a:chOff x="0" y="0"/>
+          <a:chExt cx="0" cy="0"/>
+        </a:xfrm>
+      </p:grpSpPr>
+      <p:sp>
+        <p:nvSpPr>
+          <p:cNvPr id="2" name="Title 1">
+            <a:extLst>
+              <a:ext uri="{FF2B5EF4-FFF2-40B4-BE49-F238E27FC236}">
+                <a16:creationId xmlns:a16="http://schemas.microsoft.com/office/drawing/2014/main" id="{4B4FABF5-1204-41A6-9010-802B4CE05522}"/>
+              </a:ext>
+            </a:extLst>
+          </p:cNvPr>
+          <p:cNvSpPr>
+            <a:spLocks noGrp="1"/>
+          </p:cNvSpPr>
+          <p:nvPr>
+            <p:ph type="title"/>
+          </p:nvPr>
+        </p:nvSpPr>
+        <p:spPr/>
+        <p:txBody>
+          <a:bodyPr/>
+          <a:lstStyle/>
+          <a:p>
+            <a:r>
+              <a:rPr lang="en-US" dirty="0"/>
+              <a:t>Variables</a:t>
+            </a:r>
+          </a:p>
+        </p:txBody>
+      </p:sp>
+      <p:sp>
+        <p:nvSpPr>
+          <p:cNvPr id="3" name="Content Placeholder 2">
+            <a:extLst>
+              <a:ext uri="{FF2B5EF4-FFF2-40B4-BE49-F238E27FC236}">
+                <a16:creationId xmlns:a16="http://schemas.microsoft.com/office/drawing/2014/main" id="{6C4A2769-763C-42F5-9CA4-2169B208D3AF}"/>
+              </a:ext>
+            </a:extLst>
+          </p:cNvPr>
+          <p:cNvSpPr>
+            <a:spLocks noGrp="1"/>
+          </p:cNvSpPr>
+          <p:nvPr>
+            <p:ph sz="half" idx="1"/>
+          </p:nvPr>
+        </p:nvSpPr>
+        <p:spPr>
+          <a:xfrm>
+            <a:off x="1036320" y="2120900"/>
+            <a:ext cx="4639736" cy="3981320"/>
+          </a:xfrm>
+        </p:spPr>
+        <p:txBody>
+          <a:bodyPr>
+            <a:normAutofit fontScale="92500" lnSpcReduction="10000"/>
+          </a:bodyPr>
+          <a:lstStyle/>
+          <a:p>
+            <a:pPr>
+              <a:buFont typeface="Arial" panose="020B0604020202020204" pitchFamily="34" charset="0"/>
+              <a:buChar char="•"/>
+            </a:pPr>
+            <a:r>
+              <a:rPr lang="en-US" sz="2600" dirty="0">
+                <a:latin typeface="Times New Roman" panose="02020603050405020304" pitchFamily="18" charset="0"/>
+                <a:cs typeface="Times New Roman" panose="02020603050405020304" pitchFamily="18" charset="0"/>
+              </a:rPr>
+              <a:t>The variables I used for the project include:</a:t>
+            </a:r>
+          </a:p>
+          <a:p>
+            <a:pPr lvl="1">
+              <a:buFont typeface="Arial" panose="020B0604020202020204" pitchFamily="34" charset="0"/>
+              <a:buChar char="•"/>
+            </a:pPr>
+            <a:r>
+              <a:rPr lang="en-US" sz="2600" dirty="0">
+                <a:latin typeface="Times New Roman" panose="02020603050405020304" pitchFamily="18" charset="0"/>
+                <a:cs typeface="Times New Roman" panose="02020603050405020304" pitchFamily="18" charset="0"/>
+              </a:rPr>
+              <a:t>Cause of death.</a:t>
+            </a:r>
+          </a:p>
+          <a:p>
+            <a:pPr lvl="1">
+              <a:buFont typeface="Arial" panose="020B0604020202020204" pitchFamily="34" charset="0"/>
+              <a:buChar char="•"/>
+            </a:pPr>
+            <a:r>
+              <a:rPr lang="en-US" sz="2600" dirty="0">
+                <a:latin typeface="Times New Roman" panose="02020603050405020304" pitchFamily="18" charset="0"/>
+                <a:cs typeface="Times New Roman" panose="02020603050405020304" pitchFamily="18" charset="0"/>
+              </a:rPr>
+              <a:t>Used Pill.</a:t>
+            </a:r>
+          </a:p>
+          <a:p>
+            <a:pPr lvl="1">
+              <a:buFont typeface="Arial" panose="020B0604020202020204" pitchFamily="34" charset="0"/>
+              <a:buChar char="•"/>
+            </a:pPr>
+            <a:r>
+              <a:rPr lang="en-US" sz="2600" dirty="0">
+                <a:latin typeface="Times New Roman" panose="02020603050405020304" pitchFamily="18" charset="0"/>
+                <a:cs typeface="Times New Roman" panose="02020603050405020304" pitchFamily="18" charset="0"/>
+              </a:rPr>
+              <a:t>Never Used.</a:t>
+            </a:r>
+          </a:p>
+          <a:p>
+            <a:pPr lvl="1">
+              <a:buFont typeface="Arial" panose="020B0604020202020204" pitchFamily="34" charset="0"/>
+              <a:buChar char="•"/>
+            </a:pPr>
+            <a:r>
+              <a:rPr lang="en-US" sz="2600" dirty="0">
+                <a:latin typeface="Times New Roman" panose="02020603050405020304" pitchFamily="18" charset="0"/>
+                <a:cs typeface="Times New Roman" panose="02020603050405020304" pitchFamily="18" charset="0"/>
+              </a:rPr>
+              <a:t>Adjusted Relative Risk.</a:t>
+            </a:r>
+          </a:p>
+          <a:p>
+            <a:pPr lvl="1">
+              <a:buFont typeface="Arial" panose="020B0604020202020204" pitchFamily="34" charset="0"/>
+              <a:buChar char="•"/>
+            </a:pPr>
+            <a:r>
+              <a:rPr lang="en-US" sz="2600" dirty="0">
+                <a:latin typeface="Times New Roman" panose="02020603050405020304" pitchFamily="18" charset="0"/>
+                <a:cs typeface="Times New Roman" panose="02020603050405020304" pitchFamily="18" charset="0"/>
+              </a:rPr>
+              <a:t>Standard</a:t>
+            </a:r>
+          </a:p>
+          <a:p>
+            <a:pPr marL="201168" lvl="1" indent="0">
+              <a:buNone/>
+            </a:pPr>
+            <a:endParaRPr lang="en-US" sz="2400" dirty="0">
+              <a:latin typeface="Times New Roman" panose="02020603050405020304" pitchFamily="18" charset="0"/>
+              <a:cs typeface="Times New Roman" panose="02020603050405020304" pitchFamily="18" charset="0"/>
+            </a:endParaRPr>
+          </a:p>
+          <a:p>
+            <a:pPr lvl="1">
+              <a:buFont typeface="Arial" panose="020B0604020202020204" pitchFamily="34" charset="0"/>
+              <a:buChar char="•"/>
+            </a:pPr>
+            <a:endParaRPr lang="en-US" sz="2400" dirty="0">
+              <a:latin typeface="Times New Roman" panose="02020603050405020304" pitchFamily="18" charset="0"/>
+              <a:cs typeface="Times New Roman" panose="02020603050405020304" pitchFamily="18" charset="0"/>
+            </a:endParaRPr>
+          </a:p>
+          <a:p>
+            <a:pPr lvl="1">
+              <a:buFont typeface="Arial" panose="020B0604020202020204" pitchFamily="34" charset="0"/>
+              <a:buChar char="•"/>
+            </a:pPr>
+            <a:endParaRPr lang="en-US" dirty="0"/>
+          </a:p>
+        </p:txBody>
+      </p:sp>
+      <p:sp>
+        <p:nvSpPr>
+          <p:cNvPr id="4" name="Content Placeholder 3">
+            <a:extLst>
+              <a:ext uri="{FF2B5EF4-FFF2-40B4-BE49-F238E27FC236}">
+                <a16:creationId xmlns:a16="http://schemas.microsoft.com/office/drawing/2014/main" id="{6856506E-4C89-4E46-99EE-DF79625AAAFA}"/>
+              </a:ext>
+            </a:extLst>
+          </p:cNvPr>
+          <p:cNvSpPr>
+            <a:spLocks noGrp="1"/>
+          </p:cNvSpPr>
+          <p:nvPr>
+            <p:ph sz="half" idx="2"/>
+          </p:nvPr>
+        </p:nvSpPr>
+        <p:spPr>
+          <a:xfrm>
+            <a:off x="6515944" y="2120899"/>
+            <a:ext cx="4639736" cy="4083957"/>
+          </a:xfrm>
+        </p:spPr>
+        <p:txBody>
+          <a:bodyPr>
+            <a:normAutofit fontScale="92500" lnSpcReduction="10000"/>
+          </a:bodyPr>
+          <a:lstStyle/>
+          <a:p>
+            <a:pPr>
+              <a:buFont typeface="Arial" panose="020B0604020202020204" pitchFamily="34" charset="0"/>
+              <a:buChar char="•"/>
+            </a:pPr>
+            <a:r>
+              <a:rPr lang="en-US" dirty="0"/>
+              <a:t> </a:t>
+            </a:r>
+            <a:r>
+              <a:rPr lang="en-US" sz="2200" dirty="0"/>
+              <a:t>The cause of death variable was used to let the audience know what caused a subject’s death. </a:t>
+            </a:r>
+          </a:p>
+          <a:p>
+            <a:pPr>
+              <a:buFont typeface="Arial" panose="020B0604020202020204" pitchFamily="34" charset="0"/>
+              <a:buChar char="•"/>
+            </a:pPr>
+            <a:r>
+              <a:rPr lang="en-US" sz="2200" dirty="0"/>
+              <a:t>Used pill and never used the pill means there were subjects whom have used the pill before or they never do use it. The group that never used the pills before is the control group. </a:t>
+            </a:r>
+          </a:p>
+          <a:p>
+            <a:pPr>
+              <a:buFont typeface="Arial" panose="020B0604020202020204" pitchFamily="34" charset="0"/>
+              <a:buChar char="•"/>
+            </a:pPr>
+            <a:r>
+              <a:rPr lang="en-US" sz="2200" dirty="0"/>
+              <a:t>Standard rate and observed rate indicates the subjects were observed for a certain period of time.</a:t>
+            </a:r>
+          </a:p>
+        </p:txBody>
+      </p:sp>
+    </p:spTree>
+    <p:extLst>
+      <p:ext uri="{BB962C8B-B14F-4D97-AF65-F5344CB8AC3E}">
+        <p14:creationId xmlns:p14="http://schemas.microsoft.com/office/powerpoint/2010/main" val="2751751084"/>
+      </p:ext>
+    </p:extLst>
+  </p:cSld>
+  <p:clrMapOvr>
+    <a:masterClrMapping/>
+  </p:clrMapOvr>
+</p:sld>
+</file>
+
+<file path=ppt/slides/slide6.xml><?xml version="1.0" encoding="utf-8"?>
 <p:sld xmlns:a="http://schemas.openxmlformats.org/drawingml/2006/main" xmlns:r="http://schemas.openxmlformats.org/officeDocument/2006/relationships" xmlns:p="http://schemas.openxmlformats.org/presentationml/2006/main">
   <p:cSld>
     <p:spTree>
@@ -16053,19 +17011,156 @@
         </p:nvPicPr>
         <p:blipFill rotWithShape="1">
           <a:blip r:embed="rId2"/>
-          <a:srcRect l="19770" t="23610" r="50406" b="22588"/>
+          <a:srcRect l="20960" t="26738" r="51960" b="27942"/>
           <a:stretch/>
         </p:blipFill>
         <p:spPr>
           <a:xfrm>
-            <a:off x="1780162" y="1994171"/>
-            <a:ext cx="8764621" cy="4212076"/>
+            <a:off x="2000249" y="1892300"/>
+            <a:ext cx="7905751" cy="4546600"/>
           </a:xfrm>
           <a:prstGeom prst="rect">
             <a:avLst/>
           </a:prstGeom>
         </p:spPr>
       </p:pic>
+      <p:cxnSp>
+        <p:nvCxnSpPr>
+          <p:cNvPr id="10" name="Connector: Elbow 9">
+            <a:extLst>
+              <a:ext uri="{FF2B5EF4-FFF2-40B4-BE49-F238E27FC236}">
+                <a16:creationId xmlns:a16="http://schemas.microsoft.com/office/drawing/2014/main" id="{F3FC6119-4545-4E07-A679-9B776C357C6F}"/>
+              </a:ext>
+            </a:extLst>
+          </p:cNvPr>
+          <p:cNvCxnSpPr>
+            <a:cxnSpLocks/>
+          </p:cNvCxnSpPr>
+          <p:nvPr/>
+        </p:nvCxnSpPr>
+        <p:spPr>
+          <a:xfrm>
+            <a:off x="5410200" y="4457700"/>
+            <a:ext cx="990600" cy="749300"/>
+          </a:xfrm>
+          <a:prstGeom prst="bentConnector3">
+            <a:avLst/>
+          </a:prstGeom>
+          <a:ln>
+            <a:solidFill>
+              <a:schemeClr val="bg1"/>
+            </a:solidFill>
+            <a:headEnd type="triangle"/>
+            <a:tailEnd type="triangle"/>
+          </a:ln>
+        </p:spPr>
+        <p:style>
+          <a:lnRef idx="1">
+            <a:schemeClr val="accent1"/>
+          </a:lnRef>
+          <a:fillRef idx="0">
+            <a:schemeClr val="accent1"/>
+          </a:fillRef>
+          <a:effectRef idx="0">
+            <a:schemeClr val="accent1"/>
+          </a:effectRef>
+          <a:fontRef idx="minor">
+            <a:schemeClr val="tx1"/>
+          </a:fontRef>
+        </p:style>
+      </p:cxnSp>
+      <p:cxnSp>
+        <p:nvCxnSpPr>
+          <p:cNvPr id="12" name="Connector: Elbow 11">
+            <a:extLst>
+              <a:ext uri="{FF2B5EF4-FFF2-40B4-BE49-F238E27FC236}">
+                <a16:creationId xmlns:a16="http://schemas.microsoft.com/office/drawing/2014/main" id="{C21C620B-D689-451C-83CA-BBDFB357591E}"/>
+              </a:ext>
+            </a:extLst>
+          </p:cNvPr>
+          <p:cNvCxnSpPr>
+            <a:cxnSpLocks/>
+          </p:cNvCxnSpPr>
+          <p:nvPr/>
+        </p:nvCxnSpPr>
+        <p:spPr>
+          <a:xfrm rot="16200000" flipH="1">
+            <a:off x="7764463" y="3814762"/>
+            <a:ext cx="777875" cy="635000"/>
+          </a:xfrm>
+          <a:prstGeom prst="bentConnector3">
+            <a:avLst>
+              <a:gd name="adj1" fmla="val 50000"/>
+            </a:avLst>
+          </a:prstGeom>
+          <a:ln>
+            <a:solidFill>
+              <a:schemeClr val="bg1"/>
+            </a:solidFill>
+            <a:headEnd type="triangle"/>
+            <a:tailEnd type="triangle"/>
+          </a:ln>
+        </p:spPr>
+        <p:style>
+          <a:lnRef idx="1">
+            <a:schemeClr val="accent1"/>
+          </a:lnRef>
+          <a:fillRef idx="0">
+            <a:schemeClr val="accent1"/>
+          </a:fillRef>
+          <a:effectRef idx="0">
+            <a:schemeClr val="accent1"/>
+          </a:effectRef>
+          <a:fontRef idx="minor">
+            <a:schemeClr val="tx1"/>
+          </a:fontRef>
+        </p:style>
+      </p:cxnSp>
+      <p:cxnSp>
+        <p:nvCxnSpPr>
+          <p:cNvPr id="24" name="Connector: Elbow 23">
+            <a:extLst>
+              <a:ext uri="{FF2B5EF4-FFF2-40B4-BE49-F238E27FC236}">
+                <a16:creationId xmlns:a16="http://schemas.microsoft.com/office/drawing/2014/main" id="{87D1F43E-4220-4D0B-A89F-DBD57D0E586A}"/>
+              </a:ext>
+            </a:extLst>
+          </p:cNvPr>
+          <p:cNvCxnSpPr>
+            <a:cxnSpLocks/>
+          </p:cNvCxnSpPr>
+          <p:nvPr/>
+        </p:nvCxnSpPr>
+        <p:spPr>
+          <a:xfrm flipV="1">
+            <a:off x="5410200" y="3206183"/>
+            <a:ext cx="1104900" cy="640512"/>
+          </a:xfrm>
+          <a:prstGeom prst="bentConnector3">
+            <a:avLst/>
+          </a:prstGeom>
+          <a:ln>
+            <a:solidFill>
+              <a:schemeClr val="bg1"/>
+            </a:solidFill>
+            <a:headEnd type="triangle"/>
+            <a:tailEnd type="triangle"/>
+          </a:ln>
+        </p:spPr>
+        <p:style>
+          <a:lnRef idx="1">
+            <a:schemeClr val="accent1"/>
+          </a:lnRef>
+          <a:fillRef idx="0">
+            <a:schemeClr val="accent1"/>
+          </a:fillRef>
+          <a:effectRef idx="0">
+            <a:schemeClr val="accent1"/>
+          </a:effectRef>
+          <a:fontRef idx="minor">
+            <a:schemeClr val="tx1"/>
+          </a:fontRef>
+        </p:style>
+      </p:cxnSp>
     </p:spTree>
     <p:extLst>
       <p:ext uri="{BB962C8B-B14F-4D97-AF65-F5344CB8AC3E}">
@@ -16079,7 +17174,130 @@
 </p:sld>
 </file>
 
-<file path=ppt/slides/slide6.xml><?xml version="1.0" encoding="utf-8"?>
+<file path=ppt/slides/slide7.xml><?xml version="1.0" encoding="utf-8"?>
+<p:sld xmlns:a="http://schemas.openxmlformats.org/drawingml/2006/main" xmlns:r="http://schemas.openxmlformats.org/officeDocument/2006/relationships" xmlns:p="http://schemas.openxmlformats.org/presentationml/2006/main">
+  <p:cSld>
+    <p:spTree>
+      <p:nvGrpSpPr>
+        <p:cNvPr id="1" name=""/>
+        <p:cNvGrpSpPr/>
+        <p:nvPr/>
+      </p:nvGrpSpPr>
+      <p:grpSpPr>
+        <a:xfrm>
+          <a:off x="0" y="0"/>
+          <a:ext cx="0" cy="0"/>
+          <a:chOff x="0" y="0"/>
+          <a:chExt cx="0" cy="0"/>
+        </a:xfrm>
+      </p:grpSpPr>
+      <p:sp>
+        <p:nvSpPr>
+          <p:cNvPr id="2" name="Title 1">
+            <a:extLst>
+              <a:ext uri="{FF2B5EF4-FFF2-40B4-BE49-F238E27FC236}">
+                <a16:creationId xmlns:a16="http://schemas.microsoft.com/office/drawing/2014/main" id="{11C54FB9-CCC4-42B0-BAC3-D85049A5A2B5}"/>
+              </a:ext>
+            </a:extLst>
+          </p:cNvPr>
+          <p:cNvSpPr>
+            <a:spLocks noGrp="1"/>
+          </p:cNvSpPr>
+          <p:nvPr>
+            <p:ph type="title"/>
+          </p:nvPr>
+        </p:nvSpPr>
+        <p:spPr/>
+        <p:txBody>
+          <a:bodyPr/>
+          <a:lstStyle/>
+          <a:p>
+            <a:r>
+              <a:rPr lang="en-US" b="1" dirty="0"/>
+              <a:t>Probability Mass Function</a:t>
+            </a:r>
+          </a:p>
+        </p:txBody>
+      </p:sp>
+      <p:pic>
+        <p:nvPicPr>
+          <p:cNvPr id="11" name="Content Placeholder 10">
+            <a:extLst>
+              <a:ext uri="{FF2B5EF4-FFF2-40B4-BE49-F238E27FC236}">
+                <a16:creationId xmlns:a16="http://schemas.microsoft.com/office/drawing/2014/main" id="{D13CD234-8E68-4ACB-A7E3-D3151CAEC1B0}"/>
+              </a:ext>
+            </a:extLst>
+          </p:cNvPr>
+          <p:cNvPicPr>
+            <a:picLocks noGrp="1" noChangeAspect="1"/>
+          </p:cNvPicPr>
+          <p:nvPr>
+            <p:ph sz="half" idx="1"/>
+          </p:nvPr>
+        </p:nvPicPr>
+        <p:blipFill rotWithShape="1">
+          <a:blip r:embed="rId3"/>
+          <a:srcRect l="39004" t="27484" r="20340" b="33168"/>
+          <a:stretch/>
+        </p:blipFill>
+        <p:spPr>
+          <a:xfrm>
+            <a:off x="1097280" y="1925053"/>
+            <a:ext cx="4437246" cy="3944041"/>
+          </a:xfrm>
+          <a:prstGeom prst="rect">
+            <a:avLst/>
+          </a:prstGeom>
+        </p:spPr>
+      </p:pic>
+      <p:sp>
+        <p:nvSpPr>
+          <p:cNvPr id="5" name="Content Placeholder 4">
+            <a:extLst>
+              <a:ext uri="{FF2B5EF4-FFF2-40B4-BE49-F238E27FC236}">
+                <a16:creationId xmlns:a16="http://schemas.microsoft.com/office/drawing/2014/main" id="{168DECD0-9EB4-4E1A-95AF-768CA936FDBF}"/>
+              </a:ext>
+            </a:extLst>
+          </p:cNvPr>
+          <p:cNvSpPr>
+            <a:spLocks noGrp="1"/>
+          </p:cNvSpPr>
+          <p:nvPr>
+            <p:ph sz="half" idx="2"/>
+          </p:nvPr>
+        </p:nvSpPr>
+        <p:spPr/>
+        <p:txBody>
+          <a:bodyPr>
+            <a:normAutofit/>
+          </a:bodyPr>
+          <a:lstStyle/>
+          <a:p>
+            <a:pPr>
+              <a:buFont typeface="Arial" panose="020B0604020202020204" pitchFamily="34" charset="0"/>
+              <a:buChar char="•"/>
+            </a:pPr>
+            <a:r>
+              <a:rPr lang="en-US" sz="2800" dirty="0"/>
+              <a:t>I used the PMF to calculate the subject whom used the pill and was not observed against the subject whom was not observed, and the results were zero from the calculator.</a:t>
+            </a:r>
+          </a:p>
+        </p:txBody>
+      </p:sp>
+    </p:spTree>
+    <p:extLst>
+      <p:ext uri="{BB962C8B-B14F-4D97-AF65-F5344CB8AC3E}">
+        <p14:creationId xmlns:p14="http://schemas.microsoft.com/office/powerpoint/2010/main" val="324647874"/>
+      </p:ext>
+    </p:extLst>
+  </p:cSld>
+  <p:clrMapOvr>
+    <a:masterClrMapping/>
+  </p:clrMapOvr>
+</p:sld>
+</file>
+
+<file path=ppt/slides/slide8.xml><?xml version="1.0" encoding="utf-8"?>
 <p:sld xmlns:a="http://schemas.openxmlformats.org/drawingml/2006/main" xmlns:r="http://schemas.openxmlformats.org/officeDocument/2006/relationships" xmlns:p="http://schemas.openxmlformats.org/presentationml/2006/main">
   <p:cSld>
     <p:bg>
@@ -16122,8 +17340,8 @@
         </p:nvSpPr>
         <p:spPr>
           <a:xfrm>
-            <a:off x="1097280" y="286603"/>
-            <a:ext cx="10058400" cy="1450757"/>
+            <a:off x="643466" y="786383"/>
+            <a:ext cx="3517567" cy="2093975"/>
           </a:xfrm>
           <a:prstGeom prst="rect">
             <a:avLst/>
@@ -16155,7 +17373,7 @@
             <a:picLocks noGrp="1" noChangeAspect="1"/>
           </p:cNvPicPr>
           <p:nvPr>
-            <p:ph sz="half" idx="1"/>
+            <p:ph idx="1"/>
           </p:nvPr>
         </p:nvPicPr>
         <p:blipFill>
@@ -16166,8 +17384,8 @@
         </p:blipFill>
         <p:spPr>
           <a:xfrm>
-            <a:off x="1097280" y="2168100"/>
-            <a:ext cx="4998720" cy="3653792"/>
+            <a:off x="5072514" y="452388"/>
+            <a:ext cx="6786452" cy="5736656"/>
           </a:xfrm>
           <a:prstGeom prst="rect">
             <a:avLst/>
@@ -16188,56 +17406,71 @@
             <a:spLocks noGrp="1"/>
           </p:cNvSpPr>
           <p:nvPr>
-            <p:ph sz="half" idx="2"/>
+            <p:ph type="body" sz="half" idx="2"/>
           </p:nvPr>
         </p:nvSpPr>
         <p:spPr>
           <a:xfrm>
-            <a:off x="6515944" y="2120900"/>
-            <a:ext cx="4639736" cy="3748194"/>
+            <a:off x="643465" y="3043050"/>
+            <a:ext cx="3517567" cy="3064505"/>
           </a:xfrm>
+          <a:prstGeom prst="rect">
+            <a:avLst/>
+          </a:prstGeom>
         </p:spPr>
         <p:txBody>
           <a:bodyPr>
-            <a:normAutofit lnSpcReduction="10000"/>
+            <a:normAutofit/>
           </a:bodyPr>
           <a:lstStyle/>
           <a:p>
             <a:pPr marL="0" indent="0">
+              <a:lnSpc>
+                <a:spcPct val="100000"/>
+              </a:lnSpc>
               <a:buNone/>
             </a:pPr>
             <a:r>
-              <a:rPr lang="en-US" dirty="0"/>
+              <a:rPr lang="en-US" sz="1400"/>
               <a:t>The Cause of Death Histogram resulted in:</a:t>
             </a:r>
           </a:p>
           <a:p>
             <a:pPr>
+              <a:lnSpc>
+                <a:spcPct val="100000"/>
+              </a:lnSpc>
               <a:buFont typeface="Arial" panose="020B0604020202020204" pitchFamily="34" charset="0"/>
               <a:buChar char="•"/>
             </a:pPr>
             <a:r>
-              <a:rPr lang="en-US" dirty="0"/>
+              <a:rPr lang="en-US" sz="1400"/>
               <a:t> The top three causes of the death according to the histogram were any kinds of causes, cancers, and air circulatory issues.</a:t>
             </a:r>
           </a:p>
           <a:p>
             <a:pPr>
+              <a:lnSpc>
+                <a:spcPct val="100000"/>
+              </a:lnSpc>
               <a:buFont typeface="Arial" panose="020B0604020202020204" pitchFamily="34" charset="0"/>
               <a:buChar char="•"/>
             </a:pPr>
             <a:r>
-              <a:rPr lang="en-US" dirty="0"/>
+              <a:rPr lang="en-US" sz="1400"/>
               <a:t> The subjects may have contracted the cancer or other causes of death possibly before or during the study.</a:t>
             </a:r>
           </a:p>
           <a:p>
             <a:pPr>
+              <a:lnSpc>
+                <a:spcPct val="100000"/>
+              </a:lnSpc>
               <a:buFont typeface="Arial" panose="020B0604020202020204" pitchFamily="34" charset="0"/>
               <a:buChar char="•"/>
             </a:pPr>
             <a:r>
-              <a:rPr lang="en-US" dirty="0"/>
+              <a:rPr lang="en-US" sz="1400"/>
               <a:t>Women are still at risk of death for taking the pills. Women should find better alternatives to control birth. </a:t>
             </a:r>
           </a:p>
@@ -16256,7 +17489,7 @@
 </p:sld>
 </file>
 
-<file path=ppt/slides/slide7.xml><?xml version="1.0" encoding="utf-8"?>
+<file path=ppt/slides/slide9.xml><?xml version="1.0" encoding="utf-8"?>
 <p:sld xmlns:a="http://schemas.openxmlformats.org/drawingml/2006/main" xmlns:r="http://schemas.openxmlformats.org/officeDocument/2006/relationships" xmlns:p="http://schemas.openxmlformats.org/presentationml/2006/main">
   <p:cSld>
     <p:spTree>
@@ -16295,7 +17528,10 @@
           <a:lstStyle/>
           <a:p>
             <a:r>
-              <a:rPr lang="en-US" dirty="0"/>
+              <a:rPr lang="en-US" b="1" dirty="0">
+                <a:latin typeface="Times New Roman" panose="02020603050405020304" pitchFamily="18" charset="0"/>
+                <a:cs typeface="Times New Roman" panose="02020603050405020304" pitchFamily="18" charset="0"/>
+              </a:rPr>
               <a:t>Scatter Plot 1</a:t>
             </a:r>
           </a:p>
@@ -16326,7 +17562,7 @@
         <p:spPr>
           <a:xfrm>
             <a:off x="967740" y="2200762"/>
-            <a:ext cx="4998719" cy="3834278"/>
+            <a:ext cx="5385435" cy="4047638"/>
           </a:xfrm>
           <a:prstGeom prst="rect">
             <a:avLst/>
@@ -16351,8 +17587,30 @@
         </p:nvSpPr>
         <p:spPr/>
         <p:txBody>
-          <a:bodyPr/>
+          <a:bodyPr>
+            <a:normAutofit fontScale="92500" lnSpcReduction="20000"/>
+          </a:bodyPr>
           <a:lstStyle/>
+          <a:p>
+            <a:pPr lvl="1">
+              <a:buFont typeface="Arial" panose="020B0604020202020204" pitchFamily="34" charset="0"/>
+              <a:buChar char="•"/>
+            </a:pPr>
+            <a:endParaRPr lang="en-US" sz="2800" dirty="0">
+              <a:latin typeface="Times New Roman" panose="02020603050405020304" pitchFamily="18" charset="0"/>
+              <a:cs typeface="Times New Roman" panose="02020603050405020304" pitchFamily="18" charset="0"/>
+            </a:endParaRPr>
+          </a:p>
+          <a:p>
+            <a:pPr lvl="1">
+              <a:buFont typeface="Arial" panose="020B0604020202020204" pitchFamily="34" charset="0"/>
+              <a:buChar char="•"/>
+            </a:pPr>
+            <a:endParaRPr lang="en-US" sz="2800" dirty="0">
+              <a:latin typeface="Times New Roman" panose="02020603050405020304" pitchFamily="18" charset="0"/>
+              <a:cs typeface="Times New Roman" panose="02020603050405020304" pitchFamily="18" charset="0"/>
+            </a:endParaRPr>
+          </a:p>
           <a:p>
             <a:pPr lvl="1">
               <a:buFont typeface="Arial" panose="020B0604020202020204" pitchFamily="34" charset="0"/>
@@ -16386,7 +17644,7 @@
                 <a:latin typeface="Times New Roman" panose="02020603050405020304" pitchFamily="18" charset="0"/>
                 <a:cs typeface="Times New Roman" panose="02020603050405020304" pitchFamily="18" charset="0"/>
               </a:rPr>
-              <a:t>The possible deaths were plotted on the x- axis and the measurements of the subjects whom used the pills.</a:t>
+              <a:t>The possible deaths were plotted on the x- axis and the measurements of the subjects whom used the pills are on the y-axis.</a:t>
             </a:r>
           </a:p>
           <a:p>
@@ -16412,156 +17670,6 @@
     <p:extLst>
       <p:ext uri="{BB962C8B-B14F-4D97-AF65-F5344CB8AC3E}">
         <p14:creationId xmlns:p14="http://schemas.microsoft.com/office/powerpoint/2010/main" val="2077675170"/>
-      </p:ext>
-    </p:extLst>
-  </p:cSld>
-  <p:clrMapOvr>
-    <a:masterClrMapping/>
-  </p:clrMapOvr>
-</p:sld>
-</file>
-
-<file path=ppt/slides/slide8.xml><?xml version="1.0" encoding="utf-8"?>
-<p:sld xmlns:a="http://schemas.openxmlformats.org/drawingml/2006/main" xmlns:r="http://schemas.openxmlformats.org/officeDocument/2006/relationships" xmlns:p="http://schemas.openxmlformats.org/presentationml/2006/main">
-  <p:cSld>
-    <p:spTree>
-      <p:nvGrpSpPr>
-        <p:cNvPr id="1" name=""/>
-        <p:cNvGrpSpPr/>
-        <p:nvPr/>
-      </p:nvGrpSpPr>
-      <p:grpSpPr>
-        <a:xfrm>
-          <a:off x="0" y="0"/>
-          <a:ext cx="0" cy="0"/>
-          <a:chOff x="0" y="0"/>
-          <a:chExt cx="0" cy="0"/>
-        </a:xfrm>
-      </p:grpSpPr>
-      <p:sp>
-        <p:nvSpPr>
-          <p:cNvPr id="2" name="Title 1">
-            <a:extLst>
-              <a:ext uri="{FF2B5EF4-FFF2-40B4-BE49-F238E27FC236}">
-                <a16:creationId xmlns:a16="http://schemas.microsoft.com/office/drawing/2014/main" id="{16FCED8C-E020-411B-BA7A-589C703378E2}"/>
-              </a:ext>
-            </a:extLst>
-          </p:cNvPr>
-          <p:cNvSpPr>
-            <a:spLocks noGrp="1"/>
-          </p:cNvSpPr>
-          <p:nvPr>
-            <p:ph type="title"/>
-          </p:nvPr>
-        </p:nvSpPr>
-        <p:spPr/>
-        <p:txBody>
-          <a:bodyPr/>
-          <a:lstStyle/>
-          <a:p>
-            <a:r>
-              <a:rPr lang="en-US" dirty="0">
-                <a:latin typeface="Times New Roman" panose="02020603050405020304" pitchFamily="18" charset="0"/>
-                <a:cs typeface="Times New Roman" panose="02020603050405020304" pitchFamily="18" charset="0"/>
-              </a:rPr>
-              <a:t>Scatter Plot 2</a:t>
-            </a:r>
-          </a:p>
-        </p:txBody>
-      </p:sp>
-      <p:pic>
-        <p:nvPicPr>
-          <p:cNvPr id="5" name="Content Placeholder 4">
-            <a:extLst>
-              <a:ext uri="{FF2B5EF4-FFF2-40B4-BE49-F238E27FC236}">
-                <a16:creationId xmlns:a16="http://schemas.microsoft.com/office/drawing/2014/main" id="{7B30ED34-61A8-45F4-8E9C-AFCD66C2F455}"/>
-              </a:ext>
-            </a:extLst>
-          </p:cNvPr>
-          <p:cNvPicPr>
-            <a:picLocks noGrp="1" noChangeAspect="1"/>
-          </p:cNvPicPr>
-          <p:nvPr>
-            <p:ph sz="half" idx="1"/>
-          </p:nvPr>
-        </p:nvPicPr>
-        <p:blipFill>
-          <a:blip r:embed="rId2"/>
-          <a:stretch>
-            <a:fillRect/>
-          </a:stretch>
-        </p:blipFill>
-        <p:spPr>
-          <a:xfrm>
-            <a:off x="1198562" y="2007245"/>
-            <a:ext cx="4897437" cy="3961755"/>
-          </a:xfrm>
-          <a:prstGeom prst="rect">
-            <a:avLst/>
-          </a:prstGeom>
-        </p:spPr>
-      </p:pic>
-      <p:sp>
-        <p:nvSpPr>
-          <p:cNvPr id="4" name="Content Placeholder 3">
-            <a:extLst>
-              <a:ext uri="{FF2B5EF4-FFF2-40B4-BE49-F238E27FC236}">
-                <a16:creationId xmlns:a16="http://schemas.microsoft.com/office/drawing/2014/main" id="{7606DA28-3441-4DBE-871F-4F88528273AD}"/>
-              </a:ext>
-            </a:extLst>
-          </p:cNvPr>
-          <p:cNvSpPr>
-            <a:spLocks noGrp="1"/>
-          </p:cNvSpPr>
-          <p:nvPr>
-            <p:ph sz="half" idx="2"/>
-          </p:nvPr>
-        </p:nvSpPr>
-        <p:spPr/>
-        <p:txBody>
-          <a:bodyPr>
-            <a:normAutofit lnSpcReduction="10000"/>
-          </a:bodyPr>
-          <a:lstStyle/>
-          <a:p>
-            <a:pPr>
-              <a:buFont typeface="Arial" panose="020B0604020202020204" pitchFamily="34" charset="0"/>
-              <a:buChar char="•"/>
-            </a:pPr>
-            <a:r>
-              <a:rPr lang="en-US" sz="2800" dirty="0"/>
-              <a:t>The scatter plot displayed the causes of death on the x- axis.</a:t>
-            </a:r>
-          </a:p>
-          <a:p>
-            <a:pPr>
-              <a:buFont typeface="Arial" panose="020B0604020202020204" pitchFamily="34" charset="0"/>
-              <a:buChar char="•"/>
-            </a:pPr>
-            <a:r>
-              <a:rPr lang="en-US" sz="2800" dirty="0"/>
-              <a:t>  The y-axis contained the subjects that never used contraceptive pills.</a:t>
-            </a:r>
-          </a:p>
-          <a:p>
-            <a:r>
-              <a:rPr lang="en-US" sz="2800" dirty="0"/>
-              <a:t> A few outliers were dually noted.</a:t>
-            </a:r>
-          </a:p>
-          <a:p>
-            <a:pPr>
-              <a:buFont typeface="Arial" panose="020B0604020202020204" pitchFamily="34" charset="0"/>
-              <a:buChar char="•"/>
-            </a:pPr>
-            <a:endParaRPr lang="en-US" dirty="0"/>
-          </a:p>
-        </p:txBody>
-      </p:sp>
-    </p:spTree>
-    <p:extLst>
-      <p:ext uri="{BB962C8B-B14F-4D97-AF65-F5344CB8AC3E}">
-        <p14:creationId xmlns:p14="http://schemas.microsoft.com/office/powerpoint/2010/main" val="71940281"/>
       </p:ext>
     </p:extLst>
   </p:cSld>
